--- a/clases/Presentacion.pptx
+++ b/clases/Presentacion.pptx
@@ -144,7 +144,7 @@
   <pc:docChgLst>
     <pc:chgData name="edlin guerra" userId="d52177a9150211f7" providerId="LiveId" clId="{2F89C63D-1D2C-4DCE-9A09-966D46E96205}"/>
     <pc:docChg chg="undo redo custSel addSld delSld modSld">
-      <pc:chgData name="edlin guerra" userId="d52177a9150211f7" providerId="LiveId" clId="{2F89C63D-1D2C-4DCE-9A09-966D46E96205}" dt="2024-06-16T16:39:20.132" v="194" actId="26606"/>
+      <pc:chgData name="edlin guerra" userId="d52177a9150211f7" providerId="LiveId" clId="{2F89C63D-1D2C-4DCE-9A09-966D46E96205}" dt="2024-06-17T03:10:03.252" v="250" actId="1076"/>
       <pc:docMkLst>
         <pc:docMk/>
       </pc:docMkLst>
@@ -569,12 +569,36 @@
           </ac:picMkLst>
         </pc:picChg>
       </pc:sldChg>
-      <pc:sldChg chg="new">
-        <pc:chgData name="edlin guerra" userId="d52177a9150211f7" providerId="LiveId" clId="{2F89C63D-1D2C-4DCE-9A09-966D46E96205}" dt="2024-06-16T16:28:40.982" v="176" actId="680"/>
+      <pc:sldChg chg="addSp modSp new mod">
+        <pc:chgData name="edlin guerra" userId="d52177a9150211f7" providerId="LiveId" clId="{2F89C63D-1D2C-4DCE-9A09-966D46E96205}" dt="2024-06-17T03:10:03.252" v="250" actId="1076"/>
         <pc:sldMkLst>
           <pc:docMk/>
           <pc:sldMk cId="2439328986" sldId="320"/>
         </pc:sldMkLst>
+        <pc:spChg chg="add mod">
+          <ac:chgData name="edlin guerra" userId="d52177a9150211f7" providerId="LiveId" clId="{2F89C63D-1D2C-4DCE-9A09-966D46E96205}" dt="2024-06-17T03:09:04.614" v="242" actId="1076"/>
+          <ac:spMkLst>
+            <pc:docMk/>
+            <pc:sldMk cId="2439328986" sldId="320"/>
+            <ac:spMk id="5" creationId="{19BDB6A1-1A20-F55D-AE6C-F8C1A4186551}"/>
+          </ac:spMkLst>
+        </pc:spChg>
+        <pc:picChg chg="add mod">
+          <ac:chgData name="edlin guerra" userId="d52177a9150211f7" providerId="LiveId" clId="{2F89C63D-1D2C-4DCE-9A09-966D46E96205}" dt="2024-06-17T03:09:11.891" v="244" actId="14100"/>
+          <ac:picMkLst>
+            <pc:docMk/>
+            <pc:sldMk cId="2439328986" sldId="320"/>
+            <ac:picMk id="3" creationId="{C0008398-A791-9319-C142-71169F6FC16C}"/>
+          </ac:picMkLst>
+        </pc:picChg>
+        <pc:picChg chg="add mod">
+          <ac:chgData name="edlin guerra" userId="d52177a9150211f7" providerId="LiveId" clId="{2F89C63D-1D2C-4DCE-9A09-966D46E96205}" dt="2024-06-17T03:10:03.252" v="250" actId="1076"/>
+          <ac:picMkLst>
+            <pc:docMk/>
+            <pc:sldMk cId="2439328986" sldId="320"/>
+            <ac:picMk id="7" creationId="{934709A2-7FB9-0E98-7B37-0714A6757AB6}"/>
+          </ac:picMkLst>
+        </pc:picChg>
       </pc:sldChg>
     </pc:docChg>
   </pc:docChgLst>
@@ -4806,6 +4830,120 @@
           <a:chExt cx="0" cy="0"/>
         </a:xfrm>
       </p:grpSpPr>
+      <p:pic>
+        <p:nvPicPr>
+          <p:cNvPr id="3" name="Imagen 2">
+            <a:extLst>
+              <a:ext uri="{FF2B5EF4-FFF2-40B4-BE49-F238E27FC236}">
+                <a16:creationId xmlns:a16="http://schemas.microsoft.com/office/drawing/2014/main" id="{C0008398-A791-9319-C142-71169F6FC16C}"/>
+              </a:ext>
+            </a:extLst>
+          </p:cNvPr>
+          <p:cNvPicPr>
+            <a:picLocks noChangeAspect="1"/>
+          </p:cNvPicPr>
+          <p:nvPr/>
+        </p:nvPicPr>
+        <p:blipFill>
+          <a:blip r:embed="rId2"/>
+          <a:stretch>
+            <a:fillRect/>
+          </a:stretch>
+        </p:blipFill>
+        <p:spPr>
+          <a:xfrm>
+            <a:off x="302231" y="1058995"/>
+            <a:ext cx="5667777" cy="3396273"/>
+          </a:xfrm>
+          <a:prstGeom prst="rect">
+            <a:avLst/>
+          </a:prstGeom>
+          <a:ln>
+            <a:solidFill>
+              <a:schemeClr val="tx1"/>
+            </a:solidFill>
+          </a:ln>
+        </p:spPr>
+      </p:pic>
+      <p:sp>
+        <p:nvSpPr>
+          <p:cNvPr id="5" name="CuadroTexto 4">
+            <a:extLst>
+              <a:ext uri="{FF2B5EF4-FFF2-40B4-BE49-F238E27FC236}">
+                <a16:creationId xmlns:a16="http://schemas.microsoft.com/office/drawing/2014/main" id="{19BDB6A1-1A20-F55D-AE6C-F8C1A4186551}"/>
+              </a:ext>
+            </a:extLst>
+          </p:cNvPr>
+          <p:cNvSpPr txBox="1"/>
+          <p:nvPr/>
+        </p:nvSpPr>
+        <p:spPr>
+          <a:xfrm>
+            <a:off x="302231" y="525453"/>
+            <a:ext cx="4572000" cy="369332"/>
+          </a:xfrm>
+          <a:prstGeom prst="rect">
+            <a:avLst/>
+          </a:prstGeom>
+          <a:noFill/>
+        </p:spPr>
+        <p:txBody>
+          <a:bodyPr wrap="square">
+            <a:spAutoFit/>
+          </a:bodyPr>
+          <a:lstStyle/>
+          <a:p>
+            <a:r>
+              <a:rPr lang="pt-BR" dirty="0" err="1">
+                <a:hlinkClick r:id="rId3"/>
+              </a:rPr>
+              <a:t>edlinguerra</a:t>
+            </a:r>
+            <a:r>
+              <a:rPr lang="pt-BR" dirty="0">
+                <a:hlinkClick r:id="rId3"/>
+              </a:rPr>
+              <a:t>/IAM_IVIC2024 (github.com)</a:t>
+            </a:r>
+            <a:endParaRPr lang="es-MX" dirty="0"/>
+          </a:p>
+        </p:txBody>
+      </p:sp>
+      <p:pic>
+        <p:nvPicPr>
+          <p:cNvPr id="7" name="Imagen 6">
+            <a:extLst>
+              <a:ext uri="{FF2B5EF4-FFF2-40B4-BE49-F238E27FC236}">
+                <a16:creationId xmlns:a16="http://schemas.microsoft.com/office/drawing/2014/main" id="{934709A2-7FB9-0E98-7B37-0714A6757AB6}"/>
+              </a:ext>
+            </a:extLst>
+          </p:cNvPr>
+          <p:cNvPicPr>
+            <a:picLocks noChangeAspect="1"/>
+          </p:cNvPicPr>
+          <p:nvPr/>
+        </p:nvPicPr>
+        <p:blipFill>
+          <a:blip r:embed="rId4"/>
+          <a:stretch>
+            <a:fillRect/>
+          </a:stretch>
+        </p:blipFill>
+        <p:spPr>
+          <a:xfrm>
+            <a:off x="6112018" y="3121030"/>
+            <a:ext cx="2864573" cy="2668475"/>
+          </a:xfrm>
+          <a:prstGeom prst="rect">
+            <a:avLst/>
+          </a:prstGeom>
+          <a:ln>
+            <a:solidFill>
+              <a:schemeClr val="tx1"/>
+            </a:solidFill>
+          </a:ln>
+        </p:spPr>
+      </p:pic>
     </p:spTree>
     <p:extLst>
       <p:ext uri="{BB962C8B-B14F-4D97-AF65-F5344CB8AC3E}">
